--- a/assets/img/eppmc_imgs.pptx
+++ b/assets/img/eppmc_imgs.pptx
@@ -4006,6 +4006,46 @@
           </a:prstGeom>
         </p:spPr>
       </p:pic>
+      <p:pic>
+        <p:nvPicPr>
+          <p:cNvPr id="7" name="Picture 6" descr="A person in a blue shirt&#10;&#10;Description automatically generated with medium confidence">
+            <a:extLst>
+              <a:ext uri="{FF2B5EF4-FFF2-40B4-BE49-F238E27FC236}">
+                <a16:creationId xmlns:a16="http://schemas.microsoft.com/office/drawing/2014/main" id="{8193DF1A-DB00-7A16-DEF2-3BBA29B2B2AC}"/>
+              </a:ext>
+            </a:extLst>
+          </p:cNvPr>
+          <p:cNvPicPr>
+            <a:picLocks noChangeAspect="1"/>
+          </p:cNvPicPr>
+          <p:nvPr/>
+        </p:nvPicPr>
+        <p:blipFill>
+          <a:blip r:embed="rId12">
+            <a:extLst>
+              <a:ext uri="{28A0092B-C50C-407E-A947-70E740481C1C}">
+                <a14:useLocalDpi xmlns:a14="http://schemas.microsoft.com/office/drawing/2010/main" val="0"/>
+              </a:ext>
+            </a:extLst>
+          </a:blip>
+          <a:stretch>
+            <a:fillRect/>
+          </a:stretch>
+        </p:blipFill>
+        <p:spPr>
+          <a:xfrm>
+            <a:off x="8915388" y="-465620"/>
+            <a:ext cx="3505200" cy="3651504"/>
+          </a:xfrm>
+          <a:prstGeom prst="ellipse">
+            <a:avLst/>
+          </a:prstGeom>
+          <a:ln w="63500" cap="rnd">
+            <a:noFill/>
+          </a:ln>
+          <a:effectLst/>
+        </p:spPr>
+      </p:pic>
     </p:spTree>
     <p:extLst>
       <p:ext uri="{BB962C8B-B14F-4D97-AF65-F5344CB8AC3E}">

--- a/assets/img/eppmc_imgs.pptx
+++ b/assets/img/eppmc_imgs.pptx
@@ -3419,8 +3419,8 @@
         </p:nvSpPr>
         <p:spPr>
           <a:xfrm>
-            <a:off x="2607733" y="3516096"/>
-            <a:ext cx="4964854" cy="1077218"/>
+            <a:off x="2446768" y="3586469"/>
+            <a:ext cx="4964854" cy="984885"/>
           </a:xfrm>
           <a:prstGeom prst="rect">
             <a:avLst/>
@@ -3434,20 +3434,16 @@
           <a:lstStyle/>
           <a:p>
             <a:r>
-              <a:rPr lang="en-US" sz="3200" b="1" dirty="0">
+              <a:rPr lang="en-US" sz="2900" b="1" dirty="0">
                 <a:solidFill>
                   <a:srgbClr val="B72473"/>
                 </a:solidFill>
-                <a:latin typeface="Quattrocento Sans" panose="020B0502050000020003" pitchFamily="34" charset="0"/>
+                <a:latin typeface="Open Sans" panose="020B0606030504020204" pitchFamily="34" charset="0"/>
+                <a:ea typeface="Open Sans" panose="020B0606030504020204" pitchFamily="34" charset="0"/>
+                <a:cs typeface="Open Sans" panose="020B0606030504020204" pitchFamily="34" charset="0"/>
               </a:rPr>
               <a:t>Emotion Phenomenology and Physiology Challenge</a:t>
             </a:r>
-            <a:endParaRPr lang="en-US" sz="2400" b="1" dirty="0">
-              <a:solidFill>
-                <a:srgbClr val="B72473"/>
-              </a:solidFill>
-              <a:latin typeface="Quattrocento Sans" panose="020B0502050000020003" pitchFamily="34" charset="0"/>
-            </a:endParaRPr>
           </a:p>
         </p:txBody>
       </p:sp>

--- a/assets/img/eppmc_imgs.pptx
+++ b/assets/img/eppmc_imgs.pptx
@@ -3962,10 +3962,10 @@
       </p:sp>
       <p:pic>
         <p:nvPicPr>
-          <p:cNvPr id="36" name="Picture 35">
-            <a:extLst>
-              <a:ext uri="{FF2B5EF4-FFF2-40B4-BE49-F238E27FC236}">
-                <a16:creationId xmlns:a16="http://schemas.microsoft.com/office/drawing/2014/main" id="{7380436F-D95C-EFB9-9DC4-9BC924057965}"/>
+          <p:cNvPr id="7" name="Picture 6" descr="A person in a blue shirt&#10;&#10;Description automatically generated with medium confidence">
+            <a:extLst>
+              <a:ext uri="{FF2B5EF4-FFF2-40B4-BE49-F238E27FC236}">
+                <a16:creationId xmlns:a16="http://schemas.microsoft.com/office/drawing/2014/main" id="{8193DF1A-DB00-7A16-DEF2-3BBA29B2B2AC}"/>
               </a:ext>
             </a:extLst>
           </p:cNvPr>
@@ -3977,48 +3977,6 @@
         <p:blipFill>
           <a:blip r:embed="rId10">
             <a:extLst>
-              <a:ext uri="{BEBA8EAE-BF5A-486C-A8C5-ECC9F3942E4B}">
-                <a14:imgProps xmlns:a14="http://schemas.microsoft.com/office/drawing/2010/main">
-                  <a14:imgLayer r:embed="rId11">
-                    <a14:imgEffect>
-                      <a14:saturation sat="66000"/>
-                    </a14:imgEffect>
-                  </a14:imgLayer>
-                </a14:imgProps>
-              </a:ext>
-            </a:extLst>
-          </a:blip>
-          <a:stretch>
-            <a:fillRect/>
-          </a:stretch>
-        </p:blipFill>
-        <p:spPr>
-          <a:xfrm>
-            <a:off x="3594383" y="3402230"/>
-            <a:ext cx="1101607" cy="1238240"/>
-          </a:xfrm>
-          <a:prstGeom prst="rect">
-            <a:avLst/>
-          </a:prstGeom>
-        </p:spPr>
-      </p:pic>
-      <p:pic>
-        <p:nvPicPr>
-          <p:cNvPr id="7" name="Picture 6" descr="A person in a blue shirt&#10;&#10;Description automatically generated with medium confidence">
-            <a:extLst>
-              <a:ext uri="{FF2B5EF4-FFF2-40B4-BE49-F238E27FC236}">
-                <a16:creationId xmlns:a16="http://schemas.microsoft.com/office/drawing/2014/main" id="{8193DF1A-DB00-7A16-DEF2-3BBA29B2B2AC}"/>
-              </a:ext>
-            </a:extLst>
-          </p:cNvPr>
-          <p:cNvPicPr>
-            <a:picLocks noChangeAspect="1"/>
-          </p:cNvPicPr>
-          <p:nvPr/>
-        </p:nvPicPr>
-        <p:blipFill>
-          <a:blip r:embed="rId12">
-            <a:extLst>
               <a:ext uri="{28A0092B-C50C-407E-A947-70E740481C1C}">
                 <a14:useLocalDpi xmlns:a14="http://schemas.microsoft.com/office/drawing/2010/main" val="0"/>
               </a:ext>
@@ -4040,6 +3998,48 @@
             <a:noFill/>
           </a:ln>
           <a:effectLst/>
+        </p:spPr>
+      </p:pic>
+      <p:pic>
+        <p:nvPicPr>
+          <p:cNvPr id="25" name="Picture 24">
+            <a:extLst>
+              <a:ext uri="{FF2B5EF4-FFF2-40B4-BE49-F238E27FC236}">
+                <a16:creationId xmlns:a16="http://schemas.microsoft.com/office/drawing/2014/main" id="{7C38CC7D-CC11-2BE0-4023-6D8CDB0B9426}"/>
+              </a:ext>
+            </a:extLst>
+          </p:cNvPr>
+          <p:cNvPicPr>
+            <a:picLocks noChangeAspect="1"/>
+          </p:cNvPicPr>
+          <p:nvPr/>
+        </p:nvPicPr>
+        <p:blipFill>
+          <a:blip r:embed="rId11">
+            <a:extLst>
+              <a:ext uri="{BEBA8EAE-BF5A-486C-A8C5-ECC9F3942E4B}">
+                <a14:imgProps xmlns:a14="http://schemas.microsoft.com/office/drawing/2010/main">
+                  <a14:imgLayer r:embed="rId12">
+                    <a14:imgEffect>
+                      <a14:saturation sat="33000"/>
+                    </a14:imgEffect>
+                  </a14:imgLayer>
+                </a14:imgProps>
+              </a:ext>
+            </a:extLst>
+          </a:blip>
+          <a:stretch>
+            <a:fillRect/>
+          </a:stretch>
+        </p:blipFill>
+        <p:spPr>
+          <a:xfrm>
+            <a:off x="3591128" y="3429000"/>
+            <a:ext cx="1098226" cy="1234440"/>
+          </a:xfrm>
+          <a:prstGeom prst="rect">
+            <a:avLst/>
+          </a:prstGeom>
         </p:spPr>
       </p:pic>
     </p:spTree>
@@ -4347,7 +4347,7 @@
             </a:avLst>
           </a:prstGeom>
           <a:solidFill>
-            <a:srgbClr val="725576"/>
+            <a:srgbClr val="2387FF"/>
           </a:solidFill>
           <a:ln>
             <a:noFill/>
@@ -4401,7 +4401,7 @@
             </a:avLst>
           </a:prstGeom>
           <a:solidFill>
-            <a:srgbClr val="8F6B93"/>
+            <a:srgbClr val="57A3FF"/>
           </a:solidFill>
           <a:ln>
             <a:noFill/>
@@ -4486,12 +4486,57 @@
           </a:prstGeom>
         </p:spPr>
       </p:pic>
-      <p:sp>
-        <p:nvSpPr>
-          <p:cNvPr id="14" name="Cylinder 13">
-            <a:extLst>
-              <a:ext uri="{FF2B5EF4-FFF2-40B4-BE49-F238E27FC236}">
-                <a16:creationId xmlns:a16="http://schemas.microsoft.com/office/drawing/2014/main" id="{E3087405-912F-ACE8-F072-8143B9A3A958}"/>
+      <p:pic>
+        <p:nvPicPr>
+          <p:cNvPr id="3" name="Picture 2" descr="Text, icon&#10;&#10;Description automatically generated with medium confidence">
+            <a:extLst>
+              <a:ext uri="{FF2B5EF4-FFF2-40B4-BE49-F238E27FC236}">
+                <a16:creationId xmlns:a16="http://schemas.microsoft.com/office/drawing/2014/main" id="{DC7E0711-F228-4FF3-1A22-19AC15642068}"/>
+              </a:ext>
+            </a:extLst>
+          </p:cNvPr>
+          <p:cNvPicPr>
+            <a:picLocks noChangeAspect="1"/>
+          </p:cNvPicPr>
+          <p:nvPr/>
+        </p:nvPicPr>
+        <p:blipFill>
+          <a:blip r:embed="rId5">
+            <a:extLst>
+              <a:ext uri="{BEBA8EAE-BF5A-486C-A8C5-ECC9F3942E4B}">
+                <a14:imgProps xmlns:a14="http://schemas.microsoft.com/office/drawing/2010/main">
+                  <a14:imgLayer r:embed="rId6">
+                    <a14:imgEffect>
+                      <a14:saturation sat="0"/>
+                    </a14:imgEffect>
+                  </a14:imgLayer>
+                </a14:imgProps>
+              </a:ext>
+              <a:ext uri="{28A0092B-C50C-407E-A947-70E740481C1C}">
+                <a14:useLocalDpi xmlns:a14="http://schemas.microsoft.com/office/drawing/2010/main" val="0"/>
+              </a:ext>
+            </a:extLst>
+          </a:blip>
+          <a:stretch>
+            <a:fillRect/>
+          </a:stretch>
+        </p:blipFill>
+        <p:spPr>
+          <a:xfrm>
+            <a:off x="3657905" y="990905"/>
+            <a:ext cx="4876190" cy="4876190"/>
+          </a:xfrm>
+          <a:prstGeom prst="rect">
+            <a:avLst/>
+          </a:prstGeom>
+        </p:spPr>
+      </p:pic>
+      <p:sp>
+        <p:nvSpPr>
+          <p:cNvPr id="22" name="Cylinder 21">
+            <a:extLst>
+              <a:ext uri="{FF2B5EF4-FFF2-40B4-BE49-F238E27FC236}">
+                <a16:creationId xmlns:a16="http://schemas.microsoft.com/office/drawing/2014/main" id="{07BF2484-FA09-BE2A-0EC4-7F9281A8332B}"/>
               </a:ext>
             </a:extLst>
           </p:cNvPr>
@@ -4500,7 +4545,7 @@
         </p:nvSpPr>
         <p:spPr>
           <a:xfrm>
-            <a:off x="10706100" y="3724187"/>
+            <a:off x="359676" y="4158924"/>
             <a:ext cx="1485900" cy="869474"/>
           </a:xfrm>
           <a:prstGeom prst="can">
@@ -4542,10 +4587,10 @@
       </p:sp>
       <p:sp>
         <p:nvSpPr>
-          <p:cNvPr id="15" name="Cylinder 14">
-            <a:extLst>
-              <a:ext uri="{FF2B5EF4-FFF2-40B4-BE49-F238E27FC236}">
-                <a16:creationId xmlns:a16="http://schemas.microsoft.com/office/drawing/2014/main" id="{BDCCD1C5-4205-0F43-A736-357D29389C65}"/>
+          <p:cNvPr id="23" name="Cylinder 22">
+            <a:extLst>
+              <a:ext uri="{FF2B5EF4-FFF2-40B4-BE49-F238E27FC236}">
+                <a16:creationId xmlns:a16="http://schemas.microsoft.com/office/drawing/2014/main" id="{CE515BF7-7B83-9575-564C-8EC85584E667}"/>
               </a:ext>
             </a:extLst>
           </p:cNvPr>
@@ -4554,7 +4599,7 @@
         </p:nvSpPr>
         <p:spPr>
           <a:xfrm>
-            <a:off x="9088815" y="3724187"/>
+            <a:off x="359676" y="3736887"/>
             <a:ext cx="1485900" cy="869474"/>
           </a:xfrm>
           <a:prstGeom prst="can">
@@ -4563,7 +4608,7 @@
             </a:avLst>
           </a:prstGeom>
           <a:solidFill>
-            <a:srgbClr val="725576"/>
+            <a:srgbClr val="2387FF"/>
           </a:solidFill>
           <a:ln>
             <a:noFill/>
@@ -4596,10 +4641,10 @@
       </p:sp>
       <p:sp>
         <p:nvSpPr>
-          <p:cNvPr id="16" name="Cylinder 15">
-            <a:extLst>
-              <a:ext uri="{FF2B5EF4-FFF2-40B4-BE49-F238E27FC236}">
-                <a16:creationId xmlns:a16="http://schemas.microsoft.com/office/drawing/2014/main" id="{398ECA0C-0B03-6343-521A-1B50916F09DC}"/>
+          <p:cNvPr id="24" name="Cylinder 23">
+            <a:extLst>
+              <a:ext uri="{FF2B5EF4-FFF2-40B4-BE49-F238E27FC236}">
+                <a16:creationId xmlns:a16="http://schemas.microsoft.com/office/drawing/2014/main" id="{7FF8F35F-931D-E93A-0702-C726372FEB36}"/>
               </a:ext>
             </a:extLst>
           </p:cNvPr>
@@ -4608,7 +4653,7 @@
         </p:nvSpPr>
         <p:spPr>
           <a:xfrm>
-            <a:off x="10706100" y="2770940"/>
+            <a:off x="359676" y="3314850"/>
             <a:ext cx="1485900" cy="869474"/>
           </a:xfrm>
           <a:prstGeom prst="can">
@@ -4617,7 +4662,7 @@
             </a:avLst>
           </a:prstGeom>
           <a:solidFill>
-            <a:srgbClr val="8F6B93"/>
+            <a:srgbClr val="57A3FF"/>
           </a:solidFill>
           <a:ln>
             <a:noFill/>
@@ -4650,10 +4695,10 @@
       </p:sp>
       <p:sp>
         <p:nvSpPr>
-          <p:cNvPr id="17" name="Cylinder 16">
-            <a:extLst>
-              <a:ext uri="{FF2B5EF4-FFF2-40B4-BE49-F238E27FC236}">
-                <a16:creationId xmlns:a16="http://schemas.microsoft.com/office/drawing/2014/main" id="{F61AE313-7B98-0F5B-A92A-9357922A17CF}"/>
+          <p:cNvPr id="25" name="Cylinder 24">
+            <a:extLst>
+              <a:ext uri="{FF2B5EF4-FFF2-40B4-BE49-F238E27FC236}">
+                <a16:creationId xmlns:a16="http://schemas.microsoft.com/office/drawing/2014/main" id="{FC986DDB-B3E5-C10C-2B1B-0D38A43F8E7C}"/>
               </a:ext>
             </a:extLst>
           </p:cNvPr>
@@ -4662,7 +4707,7 @@
         </p:nvSpPr>
         <p:spPr>
           <a:xfrm>
-            <a:off x="9088815" y="2770940"/>
+            <a:off x="2021262" y="4171624"/>
             <a:ext cx="1485900" cy="869474"/>
           </a:xfrm>
           <a:prstGeom prst="can">
@@ -4671,7 +4716,7 @@
             </a:avLst>
           </a:prstGeom>
           <a:solidFill>
-            <a:srgbClr val="B487BA"/>
+            <a:srgbClr val="5C5F67"/>
           </a:solidFill>
           <a:ln>
             <a:noFill/>
@@ -4702,57 +4747,12 @@
           </a:p>
         </p:txBody>
       </p:sp>
-      <p:pic>
-        <p:nvPicPr>
-          <p:cNvPr id="3" name="Picture 2" descr="Text, icon&#10;&#10;Description automatically generated with medium confidence">
-            <a:extLst>
-              <a:ext uri="{FF2B5EF4-FFF2-40B4-BE49-F238E27FC236}">
-                <a16:creationId xmlns:a16="http://schemas.microsoft.com/office/drawing/2014/main" id="{DC7E0711-F228-4FF3-1A22-19AC15642068}"/>
-              </a:ext>
-            </a:extLst>
-          </p:cNvPr>
-          <p:cNvPicPr>
-            <a:picLocks noChangeAspect="1"/>
-          </p:cNvPicPr>
-          <p:nvPr/>
-        </p:nvPicPr>
-        <p:blipFill>
-          <a:blip r:embed="rId5">
-            <a:extLst>
-              <a:ext uri="{BEBA8EAE-BF5A-486C-A8C5-ECC9F3942E4B}">
-                <a14:imgProps xmlns:a14="http://schemas.microsoft.com/office/drawing/2010/main">
-                  <a14:imgLayer r:embed="rId6">
-                    <a14:imgEffect>
-                      <a14:saturation sat="0"/>
-                    </a14:imgEffect>
-                  </a14:imgLayer>
-                </a14:imgProps>
-              </a:ext>
-              <a:ext uri="{28A0092B-C50C-407E-A947-70E740481C1C}">
-                <a14:useLocalDpi xmlns:a14="http://schemas.microsoft.com/office/drawing/2010/main" val="0"/>
-              </a:ext>
-            </a:extLst>
-          </a:blip>
-          <a:stretch>
-            <a:fillRect/>
-          </a:stretch>
-        </p:blipFill>
-        <p:spPr>
-          <a:xfrm>
-            <a:off x="3657905" y="990905"/>
-            <a:ext cx="4876190" cy="4876190"/>
-          </a:xfrm>
-          <a:prstGeom prst="rect">
-            <a:avLst/>
-          </a:prstGeom>
-        </p:spPr>
-      </p:pic>
-      <p:sp>
-        <p:nvSpPr>
-          <p:cNvPr id="22" name="Cylinder 21">
-            <a:extLst>
-              <a:ext uri="{FF2B5EF4-FFF2-40B4-BE49-F238E27FC236}">
-                <a16:creationId xmlns:a16="http://schemas.microsoft.com/office/drawing/2014/main" id="{07BF2484-FA09-BE2A-0EC4-7F9281A8332B}"/>
+      <p:sp>
+        <p:nvSpPr>
+          <p:cNvPr id="26" name="Cylinder 25">
+            <a:extLst>
+              <a:ext uri="{FF2B5EF4-FFF2-40B4-BE49-F238E27FC236}">
+                <a16:creationId xmlns:a16="http://schemas.microsoft.com/office/drawing/2014/main" id="{F4F4025C-1DB5-83B2-6D0A-FEF1A6FB2D95}"/>
               </a:ext>
             </a:extLst>
           </p:cNvPr>
@@ -4761,7 +4761,7 @@
         </p:nvSpPr>
         <p:spPr>
           <a:xfrm>
-            <a:off x="359676" y="4158924"/>
+            <a:off x="2021262" y="3749587"/>
             <a:ext cx="1485900" cy="869474"/>
           </a:xfrm>
           <a:prstGeom prst="can">
@@ -4770,7 +4770,7 @@
             </a:avLst>
           </a:prstGeom>
           <a:solidFill>
-            <a:srgbClr val="5C5F67"/>
+            <a:srgbClr val="2387FF"/>
           </a:solidFill>
           <a:ln>
             <a:noFill/>
@@ -4803,10 +4803,10 @@
       </p:sp>
       <p:sp>
         <p:nvSpPr>
-          <p:cNvPr id="23" name="Cylinder 22">
-            <a:extLst>
-              <a:ext uri="{FF2B5EF4-FFF2-40B4-BE49-F238E27FC236}">
-                <a16:creationId xmlns:a16="http://schemas.microsoft.com/office/drawing/2014/main" id="{CE515BF7-7B83-9575-564C-8EC85584E667}"/>
+          <p:cNvPr id="27" name="Cylinder 26">
+            <a:extLst>
+              <a:ext uri="{FF2B5EF4-FFF2-40B4-BE49-F238E27FC236}">
+                <a16:creationId xmlns:a16="http://schemas.microsoft.com/office/drawing/2014/main" id="{1B1AAEAF-04E8-F8AC-3F68-48282AFAD8CF}"/>
               </a:ext>
             </a:extLst>
           </p:cNvPr>
@@ -4815,7 +4815,7 @@
         </p:nvSpPr>
         <p:spPr>
           <a:xfrm>
-            <a:off x="359676" y="3736887"/>
+            <a:off x="2021262" y="3327550"/>
             <a:ext cx="1485900" cy="869474"/>
           </a:xfrm>
           <a:prstGeom prst="can">
@@ -4824,231 +4824,7 @@
             </a:avLst>
           </a:prstGeom>
           <a:solidFill>
-            <a:schemeClr val="accent6"/>
-          </a:solidFill>
-          <a:ln>
-            <a:noFill/>
-          </a:ln>
-        </p:spPr>
-        <p:style>
-          <a:lnRef idx="2">
-            <a:schemeClr val="accent1">
-              <a:shade val="50000"/>
-            </a:schemeClr>
-          </a:lnRef>
-          <a:fillRef idx="1">
-            <a:schemeClr val="accent1"/>
-          </a:fillRef>
-          <a:effectRef idx="0">
-            <a:schemeClr val="accent1"/>
-          </a:effectRef>
-          <a:fontRef idx="minor">
-            <a:schemeClr val="lt1"/>
-          </a:fontRef>
-        </p:style>
-        <p:txBody>
-          <a:bodyPr rtlCol="0" anchor="ctr"/>
-          <a:lstStyle/>
-          <a:p>
-            <a:pPr algn="ctr"/>
-            <a:endParaRPr lang="en-US"/>
-          </a:p>
-        </p:txBody>
-      </p:sp>
-      <p:sp>
-        <p:nvSpPr>
-          <p:cNvPr id="24" name="Cylinder 23">
-            <a:extLst>
-              <a:ext uri="{FF2B5EF4-FFF2-40B4-BE49-F238E27FC236}">
-                <a16:creationId xmlns:a16="http://schemas.microsoft.com/office/drawing/2014/main" id="{7FF8F35F-931D-E93A-0702-C726372FEB36}"/>
-              </a:ext>
-            </a:extLst>
-          </p:cNvPr>
-          <p:cNvSpPr/>
-          <p:nvPr/>
-        </p:nvSpPr>
-        <p:spPr>
-          <a:xfrm>
-            <a:off x="359676" y="3314850"/>
-            <a:ext cx="1485900" cy="869474"/>
-          </a:xfrm>
-          <a:prstGeom prst="can">
-            <a:avLst>
-              <a:gd name="adj" fmla="val 50000"/>
-            </a:avLst>
-          </a:prstGeom>
-          <a:solidFill>
-            <a:schemeClr val="accent6">
-              <a:lumMod val="60000"/>
-              <a:lumOff val="40000"/>
-            </a:schemeClr>
-          </a:solidFill>
-          <a:ln>
-            <a:noFill/>
-          </a:ln>
-        </p:spPr>
-        <p:style>
-          <a:lnRef idx="2">
-            <a:schemeClr val="accent1">
-              <a:shade val="50000"/>
-            </a:schemeClr>
-          </a:lnRef>
-          <a:fillRef idx="1">
-            <a:schemeClr val="accent1"/>
-          </a:fillRef>
-          <a:effectRef idx="0">
-            <a:schemeClr val="accent1"/>
-          </a:effectRef>
-          <a:fontRef idx="minor">
-            <a:schemeClr val="lt1"/>
-          </a:fontRef>
-        </p:style>
-        <p:txBody>
-          <a:bodyPr rtlCol="0" anchor="ctr"/>
-          <a:lstStyle/>
-          <a:p>
-            <a:pPr algn="ctr"/>
-            <a:endParaRPr lang="en-US"/>
-          </a:p>
-        </p:txBody>
-      </p:sp>
-      <p:sp>
-        <p:nvSpPr>
-          <p:cNvPr id="25" name="Cylinder 24">
-            <a:extLst>
-              <a:ext uri="{FF2B5EF4-FFF2-40B4-BE49-F238E27FC236}">
-                <a16:creationId xmlns:a16="http://schemas.microsoft.com/office/drawing/2014/main" id="{FC986DDB-B3E5-C10C-2B1B-0D38A43F8E7C}"/>
-              </a:ext>
-            </a:extLst>
-          </p:cNvPr>
-          <p:cNvSpPr/>
-          <p:nvPr/>
-        </p:nvSpPr>
-        <p:spPr>
-          <a:xfrm>
-            <a:off x="2021262" y="4171624"/>
-            <a:ext cx="1485900" cy="869474"/>
-          </a:xfrm>
-          <a:prstGeom prst="can">
-            <a:avLst>
-              <a:gd name="adj" fmla="val 50000"/>
-            </a:avLst>
-          </a:prstGeom>
-          <a:solidFill>
-            <a:srgbClr val="5C5F67"/>
-          </a:solidFill>
-          <a:ln>
-            <a:noFill/>
-          </a:ln>
-        </p:spPr>
-        <p:style>
-          <a:lnRef idx="2">
-            <a:schemeClr val="accent1">
-              <a:shade val="50000"/>
-            </a:schemeClr>
-          </a:lnRef>
-          <a:fillRef idx="1">
-            <a:schemeClr val="accent1"/>
-          </a:fillRef>
-          <a:effectRef idx="0">
-            <a:schemeClr val="accent1"/>
-          </a:effectRef>
-          <a:fontRef idx="minor">
-            <a:schemeClr val="lt1"/>
-          </a:fontRef>
-        </p:style>
-        <p:txBody>
-          <a:bodyPr rtlCol="0" anchor="ctr"/>
-          <a:lstStyle/>
-          <a:p>
-            <a:pPr algn="ctr"/>
-            <a:endParaRPr lang="en-US"/>
-          </a:p>
-        </p:txBody>
-      </p:sp>
-      <p:sp>
-        <p:nvSpPr>
-          <p:cNvPr id="26" name="Cylinder 25">
-            <a:extLst>
-              <a:ext uri="{FF2B5EF4-FFF2-40B4-BE49-F238E27FC236}">
-                <a16:creationId xmlns:a16="http://schemas.microsoft.com/office/drawing/2014/main" id="{F4F4025C-1DB5-83B2-6D0A-FEF1A6FB2D95}"/>
-              </a:ext>
-            </a:extLst>
-          </p:cNvPr>
-          <p:cNvSpPr/>
-          <p:nvPr/>
-        </p:nvSpPr>
-        <p:spPr>
-          <a:xfrm>
-            <a:off x="2021262" y="3749587"/>
-            <a:ext cx="1485900" cy="869474"/>
-          </a:xfrm>
-          <a:prstGeom prst="can">
-            <a:avLst>
-              <a:gd name="adj" fmla="val 50000"/>
-            </a:avLst>
-          </a:prstGeom>
-          <a:solidFill>
-            <a:schemeClr val="accent2">
-              <a:lumMod val="75000"/>
-            </a:schemeClr>
-          </a:solidFill>
-          <a:ln>
-            <a:noFill/>
-          </a:ln>
-        </p:spPr>
-        <p:style>
-          <a:lnRef idx="2">
-            <a:schemeClr val="accent1">
-              <a:shade val="50000"/>
-            </a:schemeClr>
-          </a:lnRef>
-          <a:fillRef idx="1">
-            <a:schemeClr val="accent1"/>
-          </a:fillRef>
-          <a:effectRef idx="0">
-            <a:schemeClr val="accent1"/>
-          </a:effectRef>
-          <a:fontRef idx="minor">
-            <a:schemeClr val="lt1"/>
-          </a:fontRef>
-        </p:style>
-        <p:txBody>
-          <a:bodyPr rtlCol="0" anchor="ctr"/>
-          <a:lstStyle/>
-          <a:p>
-            <a:pPr algn="ctr"/>
-            <a:endParaRPr lang="en-US"/>
-          </a:p>
-        </p:txBody>
-      </p:sp>
-      <p:sp>
-        <p:nvSpPr>
-          <p:cNvPr id="27" name="Cylinder 26">
-            <a:extLst>
-              <a:ext uri="{FF2B5EF4-FFF2-40B4-BE49-F238E27FC236}">
-                <a16:creationId xmlns:a16="http://schemas.microsoft.com/office/drawing/2014/main" id="{1B1AAEAF-04E8-F8AC-3F68-48282AFAD8CF}"/>
-              </a:ext>
-            </a:extLst>
-          </p:cNvPr>
-          <p:cNvSpPr/>
-          <p:nvPr/>
-        </p:nvSpPr>
-        <p:spPr>
-          <a:xfrm>
-            <a:off x="2021262" y="3327550"/>
-            <a:ext cx="1485900" cy="869474"/>
-          </a:xfrm>
-          <a:prstGeom prst="can">
-            <a:avLst>
-              <a:gd name="adj" fmla="val 50000"/>
-            </a:avLst>
-          </a:prstGeom>
-          <a:solidFill>
-            <a:schemeClr val="accent2">
-              <a:lumMod val="60000"/>
-              <a:lumOff val="40000"/>
-            </a:schemeClr>
+            <a:srgbClr val="57A3FF"/>
           </a:solidFill>
           <a:ln>
             <a:noFill/>
